--- a/doc/presentation/Build- and Testautomation.pptx
+++ b/doc/presentation/Build- and Testautomation.pptx
@@ -1,6 +1,6 @@
 
 <file path=ppt/presentation.xml><?xml version="1.0" encoding="utf-8"?>
-<p:presentation xmlns:a="http://schemas.openxmlformats.org/drawingml/2006/main" xmlns:r="http://schemas.openxmlformats.org/officeDocument/2006/relationships" xmlns:p="http://schemas.openxmlformats.org/presentationml/2006/main" saveSubsetFonts="1">
+<p:presentation xmlns:a="http://schemas.openxmlformats.org/drawingml/2006/main" xmlns:r="http://schemas.openxmlformats.org/officeDocument/2006/relationships" xmlns:p="http://schemas.openxmlformats.org/presentationml/2006/main" showSpecialPlsOnTitleSld="0" saveSubsetFonts="1">
   <p:sldMasterIdLst>
     <p:sldMasterId id="2147483660" r:id="rId1"/>
     <p:sldMasterId id="2147483672" r:id="rId2"/>
@@ -8,6 +8,9 @@
     <p:sldMasterId id="2147483708" r:id="rId4"/>
     <p:sldMasterId id="2147483720" r:id="rId5"/>
   </p:sldMasterIdLst>
+  <p:notesMasterIdLst>
+    <p:notesMasterId r:id="rId15"/>
+  </p:notesMasterIdLst>
   <p:sldIdLst>
     <p:sldId id="256" r:id="rId6"/>
     <p:sldId id="257" r:id="rId7"/>
@@ -119,6 +122,440 @@
 </p:presentation>
 </file>
 
+<file path=ppt/notesMasters/notesMaster1.xml><?xml version="1.0" encoding="utf-8"?>
+<p:notesMaster xmlns:a="http://schemas.openxmlformats.org/drawingml/2006/main" xmlns:r="http://schemas.openxmlformats.org/officeDocument/2006/relationships" xmlns:p="http://schemas.openxmlformats.org/presentationml/2006/main">
+  <p:cSld>
+    <p:bg>
+      <p:bgRef idx="1001">
+        <a:schemeClr val="bg1"/>
+      </p:bgRef>
+    </p:bg>
+    <p:spTree>
+      <p:nvGrpSpPr>
+        <p:cNvPr id="1" name=""/>
+        <p:cNvGrpSpPr/>
+        <p:nvPr/>
+      </p:nvGrpSpPr>
+      <p:grpSpPr>
+        <a:xfrm>
+          <a:off x="0" y="0"/>
+          <a:ext cx="0" cy="0"/>
+          <a:chOff x="0" y="0"/>
+          <a:chExt cx="0" cy="0"/>
+        </a:xfrm>
+      </p:grpSpPr>
+      <p:sp>
+        <p:nvSpPr>
+          <p:cNvPr id="2" name="Header Placeholder 1"/>
+          <p:cNvSpPr>
+            <a:spLocks noGrp="1"/>
+          </p:cNvSpPr>
+          <p:nvPr>
+            <p:ph type="hdr" sz="quarter"/>
+          </p:nvPr>
+        </p:nvSpPr>
+        <p:spPr>
+          <a:xfrm>
+            <a:off x="0" y="0"/>
+            <a:ext cx="2971800" cy="458788"/>
+          </a:xfrm>
+          <a:prstGeom prst="rect">
+            <a:avLst/>
+          </a:prstGeom>
+        </p:spPr>
+        <p:txBody>
+          <a:bodyPr vert="horz" lIns="91440" tIns="45720" rIns="91440" bIns="45720" rtlCol="0"/>
+          <a:lstStyle>
+            <a:lvl1pPr algn="l">
+              <a:defRPr sz="1200"/>
+            </a:lvl1pPr>
+          </a:lstStyle>
+          <a:p>
+            <a:endParaRPr lang="de-AT"/>
+          </a:p>
+        </p:txBody>
+      </p:sp>
+      <p:sp>
+        <p:nvSpPr>
+          <p:cNvPr id="3" name="Date Placeholder 2"/>
+          <p:cNvSpPr>
+            <a:spLocks noGrp="1"/>
+          </p:cNvSpPr>
+          <p:nvPr>
+            <p:ph type="dt" idx="1"/>
+          </p:nvPr>
+        </p:nvSpPr>
+        <p:spPr>
+          <a:xfrm>
+            <a:off x="3884613" y="0"/>
+            <a:ext cx="2971800" cy="458788"/>
+          </a:xfrm>
+          <a:prstGeom prst="rect">
+            <a:avLst/>
+          </a:prstGeom>
+        </p:spPr>
+        <p:txBody>
+          <a:bodyPr vert="horz" lIns="91440" tIns="45720" rIns="91440" bIns="45720" rtlCol="0"/>
+          <a:lstStyle>
+            <a:lvl1pPr algn="r">
+              <a:defRPr sz="1200"/>
+            </a:lvl1pPr>
+          </a:lstStyle>
+          <a:p>
+            <a:fld id="{73B833D8-8FEF-4EB1-ACE8-7E718F8D3FC6}" type="datetimeFigureOut">
+              <a:rPr lang="de-AT" smtClean="0"/>
+              <a:t>10.05.2015</a:t>
+            </a:fld>
+            <a:endParaRPr lang="de-AT"/>
+          </a:p>
+        </p:txBody>
+      </p:sp>
+      <p:sp>
+        <p:nvSpPr>
+          <p:cNvPr id="4" name="Slide Image Placeholder 3"/>
+          <p:cNvSpPr>
+            <a:spLocks noGrp="1" noRot="1" noChangeAspect="1"/>
+          </p:cNvSpPr>
+          <p:nvPr>
+            <p:ph type="sldImg" idx="2"/>
+          </p:nvPr>
+        </p:nvSpPr>
+        <p:spPr>
+          <a:xfrm>
+            <a:off x="685800" y="1143000"/>
+            <a:ext cx="5486400" cy="3086100"/>
+          </a:xfrm>
+          <a:prstGeom prst="rect">
+            <a:avLst/>
+          </a:prstGeom>
+          <a:noFill/>
+          <a:ln w="12700">
+            <a:solidFill>
+              <a:prstClr val="black"/>
+            </a:solidFill>
+          </a:ln>
+        </p:spPr>
+        <p:txBody>
+          <a:bodyPr vert="horz" lIns="91440" tIns="45720" rIns="91440" bIns="45720" rtlCol="0" anchor="ctr"/>
+          <a:lstStyle/>
+          <a:p>
+            <a:endParaRPr lang="de-AT"/>
+          </a:p>
+        </p:txBody>
+      </p:sp>
+      <p:sp>
+        <p:nvSpPr>
+          <p:cNvPr id="5" name="Notes Placeholder 4"/>
+          <p:cNvSpPr>
+            <a:spLocks noGrp="1"/>
+          </p:cNvSpPr>
+          <p:nvPr>
+            <p:ph type="body" sz="quarter" idx="3"/>
+          </p:nvPr>
+        </p:nvSpPr>
+        <p:spPr>
+          <a:xfrm>
+            <a:off x="685800" y="4400550"/>
+            <a:ext cx="5486400" cy="3600450"/>
+          </a:xfrm>
+          <a:prstGeom prst="rect">
+            <a:avLst/>
+          </a:prstGeom>
+        </p:spPr>
+        <p:txBody>
+          <a:bodyPr vert="horz" lIns="91440" tIns="45720" rIns="91440" bIns="45720" rtlCol="0"/>
+          <a:lstStyle/>
+          <a:p>
+            <a:pPr lvl="0"/>
+            <a:r>
+              <a:rPr lang="en-US" smtClean="0"/>
+              <a:t>Click to edit Master text styles</a:t>
+            </a:r>
+          </a:p>
+          <a:p>
+            <a:pPr lvl="1"/>
+            <a:r>
+              <a:rPr lang="en-US" smtClean="0"/>
+              <a:t>Second level</a:t>
+            </a:r>
+          </a:p>
+          <a:p>
+            <a:pPr lvl="2"/>
+            <a:r>
+              <a:rPr lang="en-US" smtClean="0"/>
+              <a:t>Third level</a:t>
+            </a:r>
+          </a:p>
+          <a:p>
+            <a:pPr lvl="3"/>
+            <a:r>
+              <a:rPr lang="en-US" smtClean="0"/>
+              <a:t>Fourth level</a:t>
+            </a:r>
+          </a:p>
+          <a:p>
+            <a:pPr lvl="4"/>
+            <a:r>
+              <a:rPr lang="en-US" smtClean="0"/>
+              <a:t>Fifth level</a:t>
+            </a:r>
+            <a:endParaRPr lang="de-AT"/>
+          </a:p>
+        </p:txBody>
+      </p:sp>
+      <p:sp>
+        <p:nvSpPr>
+          <p:cNvPr id="6" name="Footer Placeholder 5"/>
+          <p:cNvSpPr>
+            <a:spLocks noGrp="1"/>
+          </p:cNvSpPr>
+          <p:nvPr>
+            <p:ph type="ftr" sz="quarter" idx="4"/>
+          </p:nvPr>
+        </p:nvSpPr>
+        <p:spPr>
+          <a:xfrm>
+            <a:off x="0" y="8685213"/>
+            <a:ext cx="2971800" cy="458787"/>
+          </a:xfrm>
+          <a:prstGeom prst="rect">
+            <a:avLst/>
+          </a:prstGeom>
+        </p:spPr>
+        <p:txBody>
+          <a:bodyPr vert="horz" lIns="91440" tIns="45720" rIns="91440" bIns="45720" rtlCol="0" anchor="b"/>
+          <a:lstStyle>
+            <a:lvl1pPr algn="l">
+              <a:defRPr sz="1200"/>
+            </a:lvl1pPr>
+          </a:lstStyle>
+          <a:p>
+            <a:endParaRPr lang="de-AT"/>
+          </a:p>
+        </p:txBody>
+      </p:sp>
+      <p:sp>
+        <p:nvSpPr>
+          <p:cNvPr id="7" name="Slide Number Placeholder 6"/>
+          <p:cNvSpPr>
+            <a:spLocks noGrp="1"/>
+          </p:cNvSpPr>
+          <p:nvPr>
+            <p:ph type="sldNum" sz="quarter" idx="5"/>
+          </p:nvPr>
+        </p:nvSpPr>
+        <p:spPr>
+          <a:xfrm>
+            <a:off x="3884613" y="8685213"/>
+            <a:ext cx="2971800" cy="458787"/>
+          </a:xfrm>
+          <a:prstGeom prst="rect">
+            <a:avLst/>
+          </a:prstGeom>
+        </p:spPr>
+        <p:txBody>
+          <a:bodyPr vert="horz" lIns="91440" tIns="45720" rIns="91440" bIns="45720" rtlCol="0" anchor="b"/>
+          <a:lstStyle>
+            <a:lvl1pPr algn="r">
+              <a:defRPr sz="1200"/>
+            </a:lvl1pPr>
+          </a:lstStyle>
+          <a:p>
+            <a:fld id="{3251E7FA-6B3C-42FC-B0C2-CB89547A3F1E}" type="slidenum">
+              <a:rPr lang="de-AT" smtClean="0"/>
+              <a:t>‹#›</a:t>
+            </a:fld>
+            <a:endParaRPr lang="de-AT"/>
+          </a:p>
+        </p:txBody>
+      </p:sp>
+    </p:spTree>
+    <p:extLst>
+      <p:ext uri="{BB962C8B-B14F-4D97-AF65-F5344CB8AC3E}">
+        <p14:creationId xmlns:p14="http://schemas.microsoft.com/office/powerpoint/2010/main" val="1485321168"/>
+      </p:ext>
+    </p:extLst>
+  </p:cSld>
+  <p:clrMap bg1="lt1" tx1="dk1" bg2="lt2" tx2="dk2" accent1="accent1" accent2="accent2" accent3="accent3" accent4="accent4" accent5="accent5" accent6="accent6" hlink="hlink" folHlink="folHlink"/>
+  <p:notesStyle>
+    <a:lvl1pPr marL="0" algn="l" defTabSz="914400" rtl="0" eaLnBrk="1" latinLnBrk="0" hangingPunct="1">
+      <a:defRPr sz="1200" kern="1200">
+        <a:solidFill>
+          <a:schemeClr val="tx1"/>
+        </a:solidFill>
+        <a:latin typeface="+mn-lt"/>
+        <a:ea typeface="+mn-ea"/>
+        <a:cs typeface="+mn-cs"/>
+      </a:defRPr>
+    </a:lvl1pPr>
+    <a:lvl2pPr marL="457200" algn="l" defTabSz="914400" rtl="0" eaLnBrk="1" latinLnBrk="0" hangingPunct="1">
+      <a:defRPr sz="1200" kern="1200">
+        <a:solidFill>
+          <a:schemeClr val="tx1"/>
+        </a:solidFill>
+        <a:latin typeface="+mn-lt"/>
+        <a:ea typeface="+mn-ea"/>
+        <a:cs typeface="+mn-cs"/>
+      </a:defRPr>
+    </a:lvl2pPr>
+    <a:lvl3pPr marL="914400" algn="l" defTabSz="914400" rtl="0" eaLnBrk="1" latinLnBrk="0" hangingPunct="1">
+      <a:defRPr sz="1200" kern="1200">
+        <a:solidFill>
+          <a:schemeClr val="tx1"/>
+        </a:solidFill>
+        <a:latin typeface="+mn-lt"/>
+        <a:ea typeface="+mn-ea"/>
+        <a:cs typeface="+mn-cs"/>
+      </a:defRPr>
+    </a:lvl3pPr>
+    <a:lvl4pPr marL="1371600" algn="l" defTabSz="914400" rtl="0" eaLnBrk="1" latinLnBrk="0" hangingPunct="1">
+      <a:defRPr sz="1200" kern="1200">
+        <a:solidFill>
+          <a:schemeClr val="tx1"/>
+        </a:solidFill>
+        <a:latin typeface="+mn-lt"/>
+        <a:ea typeface="+mn-ea"/>
+        <a:cs typeface="+mn-cs"/>
+      </a:defRPr>
+    </a:lvl4pPr>
+    <a:lvl5pPr marL="1828800" algn="l" defTabSz="914400" rtl="0" eaLnBrk="1" latinLnBrk="0" hangingPunct="1">
+      <a:defRPr sz="1200" kern="1200">
+        <a:solidFill>
+          <a:schemeClr val="tx1"/>
+        </a:solidFill>
+        <a:latin typeface="+mn-lt"/>
+        <a:ea typeface="+mn-ea"/>
+        <a:cs typeface="+mn-cs"/>
+      </a:defRPr>
+    </a:lvl5pPr>
+    <a:lvl6pPr marL="2286000" algn="l" defTabSz="914400" rtl="0" eaLnBrk="1" latinLnBrk="0" hangingPunct="1">
+      <a:defRPr sz="1200" kern="1200">
+        <a:solidFill>
+          <a:schemeClr val="tx1"/>
+        </a:solidFill>
+        <a:latin typeface="+mn-lt"/>
+        <a:ea typeface="+mn-ea"/>
+        <a:cs typeface="+mn-cs"/>
+      </a:defRPr>
+    </a:lvl6pPr>
+    <a:lvl7pPr marL="2743200" algn="l" defTabSz="914400" rtl="0" eaLnBrk="1" latinLnBrk="0" hangingPunct="1">
+      <a:defRPr sz="1200" kern="1200">
+        <a:solidFill>
+          <a:schemeClr val="tx1"/>
+        </a:solidFill>
+        <a:latin typeface="+mn-lt"/>
+        <a:ea typeface="+mn-ea"/>
+        <a:cs typeface="+mn-cs"/>
+      </a:defRPr>
+    </a:lvl7pPr>
+    <a:lvl8pPr marL="3200400" algn="l" defTabSz="914400" rtl="0" eaLnBrk="1" latinLnBrk="0" hangingPunct="1">
+      <a:defRPr sz="1200" kern="1200">
+        <a:solidFill>
+          <a:schemeClr val="tx1"/>
+        </a:solidFill>
+        <a:latin typeface="+mn-lt"/>
+        <a:ea typeface="+mn-ea"/>
+        <a:cs typeface="+mn-cs"/>
+      </a:defRPr>
+    </a:lvl8pPr>
+    <a:lvl9pPr marL="3657600" algn="l" defTabSz="914400" rtl="0" eaLnBrk="1" latinLnBrk="0" hangingPunct="1">
+      <a:defRPr sz="1200" kern="1200">
+        <a:solidFill>
+          <a:schemeClr val="tx1"/>
+        </a:solidFill>
+        <a:latin typeface="+mn-lt"/>
+        <a:ea typeface="+mn-ea"/>
+        <a:cs typeface="+mn-cs"/>
+      </a:defRPr>
+    </a:lvl9pPr>
+  </p:notesStyle>
+</p:notesMaster>
+</file>
+
+<file path=ppt/notesSlides/notesSlide1.xml><?xml version="1.0" encoding="utf-8"?>
+<p:notes xmlns:a="http://schemas.openxmlformats.org/drawingml/2006/main" xmlns:r="http://schemas.openxmlformats.org/officeDocument/2006/relationships" xmlns:p="http://schemas.openxmlformats.org/presentationml/2006/main">
+  <p:cSld>
+    <p:spTree>
+      <p:nvGrpSpPr>
+        <p:cNvPr id="1" name=""/>
+        <p:cNvGrpSpPr/>
+        <p:nvPr/>
+      </p:nvGrpSpPr>
+      <p:grpSpPr>
+        <a:xfrm>
+          <a:off x="0" y="0"/>
+          <a:ext cx="0" cy="0"/>
+          <a:chOff x="0" y="0"/>
+          <a:chExt cx="0" cy="0"/>
+        </a:xfrm>
+      </p:grpSpPr>
+      <p:sp>
+        <p:nvSpPr>
+          <p:cNvPr id="2" name="Slide Image Placeholder 1"/>
+          <p:cNvSpPr>
+            <a:spLocks noGrp="1" noRot="1" noChangeAspect="1"/>
+          </p:cNvSpPr>
+          <p:nvPr>
+            <p:ph type="sldImg"/>
+          </p:nvPr>
+        </p:nvSpPr>
+        <p:spPr/>
+      </p:sp>
+      <p:sp>
+        <p:nvSpPr>
+          <p:cNvPr id="3" name="Notes Placeholder 2"/>
+          <p:cNvSpPr>
+            <a:spLocks noGrp="1"/>
+          </p:cNvSpPr>
+          <p:nvPr>
+            <p:ph type="body" idx="1"/>
+          </p:nvPr>
+        </p:nvSpPr>
+        <p:spPr/>
+        <p:txBody>
+          <a:bodyPr/>
+          <a:lstStyle/>
+          <a:p>
+            <a:endParaRPr lang="de-AT"/>
+          </a:p>
+        </p:txBody>
+      </p:sp>
+      <p:sp>
+        <p:nvSpPr>
+          <p:cNvPr id="4" name="Slide Number Placeholder 3"/>
+          <p:cNvSpPr>
+            <a:spLocks noGrp="1"/>
+          </p:cNvSpPr>
+          <p:nvPr>
+            <p:ph type="sldNum" sz="quarter" idx="10"/>
+          </p:nvPr>
+        </p:nvSpPr>
+        <p:spPr/>
+        <p:txBody>
+          <a:bodyPr/>
+          <a:lstStyle/>
+          <a:p>
+            <a:fld id="{3251E7FA-6B3C-42FC-B0C2-CB89547A3F1E}" type="slidenum">
+              <a:rPr lang="de-AT" smtClean="0"/>
+              <a:t>9</a:t>
+            </a:fld>
+            <a:endParaRPr lang="de-AT"/>
+          </a:p>
+        </p:txBody>
+      </p:sp>
+    </p:spTree>
+    <p:extLst>
+      <p:ext uri="{BB962C8B-B14F-4D97-AF65-F5344CB8AC3E}">
+        <p14:creationId xmlns:p14="http://schemas.microsoft.com/office/powerpoint/2010/main" val="3119605502"/>
+      </p:ext>
+    </p:extLst>
+  </p:cSld>
+  <p:clrMapOvr>
+    <a:masterClrMapping/>
+  </p:clrMapOvr>
+</p:notes>
+</file>
+
 <file path=ppt/slideLayouts/slideLayout1.xml><?xml version="1.0" encoding="utf-8"?>
 <p:sldLayout xmlns:a="http://schemas.openxmlformats.org/drawingml/2006/main" xmlns:r="http://schemas.openxmlformats.org/officeDocument/2006/relationships" xmlns:p="http://schemas.openxmlformats.org/presentationml/2006/main" type="title" preserve="1">
   <p:cSld name="Title Slide">
@@ -259,7 +696,7 @@
           <a:bodyPr/>
           <a:lstStyle/>
           <a:p>
-            <a:fld id="{49F13741-B7F0-473D-A95D-BB281D554673}" type="datetimeFigureOut">
+            <a:fld id="{3D92490E-3F59-49CD-B306-CE15395289C7}" type="datetime1">
               <a:rPr lang="de-AT" smtClean="0"/>
               <a:t>10.05.2015</a:t>
             </a:fld>
@@ -429,7 +866,7 @@
           <a:bodyPr/>
           <a:lstStyle/>
           <a:p>
-            <a:fld id="{49F13741-B7F0-473D-A95D-BB281D554673}" type="datetimeFigureOut">
+            <a:fld id="{282092BB-8050-49D5-8080-CD7BB2BFACD5}" type="datetime1">
               <a:rPr lang="de-AT" smtClean="0"/>
               <a:t>10.05.2015</a:t>
             </a:fld>
@@ -609,7 +1046,7 @@
           <a:bodyPr/>
           <a:lstStyle/>
           <a:p>
-            <a:fld id="{49F13741-B7F0-473D-A95D-BB281D554673}" type="datetimeFigureOut">
+            <a:fld id="{E11951C5-8966-4AF9-9F57-1615546BB7BF}" type="datetime1">
               <a:rPr lang="de-AT" smtClean="0"/>
               <a:t>10.05.2015</a:t>
             </a:fld>
@@ -812,7 +1249,7 @@
           <a:bodyPr/>
           <a:lstStyle/>
           <a:p>
-            <a:fld id="{49F13741-B7F0-473D-A95D-BB281D554673}" type="datetimeFigureOut">
+            <a:fld id="{56E81BC1-3771-4FB1-8FEB-89391B1B4A54}" type="datetime1">
               <a:rPr lang="de-AT" smtClean="0"/>
               <a:t>10.05.2015</a:t>
             </a:fld>
@@ -982,7 +1419,7 @@
           <a:bodyPr/>
           <a:lstStyle/>
           <a:p>
-            <a:fld id="{49F13741-B7F0-473D-A95D-BB281D554673}" type="datetimeFigureOut">
+            <a:fld id="{7146569C-86CE-4CAD-88E4-B19BCF8CE65A}" type="datetime1">
               <a:rPr lang="de-AT" smtClean="0"/>
               <a:t>10.05.2015</a:t>
             </a:fld>
@@ -1233,7 +1670,7 @@
           <a:bodyPr/>
           <a:lstStyle/>
           <a:p>
-            <a:fld id="{49F13741-B7F0-473D-A95D-BB281D554673}" type="datetimeFigureOut">
+            <a:fld id="{42DAC5C1-90B5-4DA3-9F73-ABB53C33E490}" type="datetime1">
               <a:rPr lang="de-AT" smtClean="0"/>
               <a:t>10.05.2015</a:t>
             </a:fld>
@@ -1465,7 +1902,7 @@
           <a:bodyPr/>
           <a:lstStyle/>
           <a:p>
-            <a:fld id="{49F13741-B7F0-473D-A95D-BB281D554673}" type="datetimeFigureOut">
+            <a:fld id="{9B768EA2-9E4F-4795-9C55-154B98596CFA}" type="datetime1">
               <a:rPr lang="de-AT" smtClean="0"/>
               <a:t>10.05.2015</a:t>
             </a:fld>
@@ -1812,7 +2249,7 @@
           <a:bodyPr/>
           <a:lstStyle/>
           <a:p>
-            <a:fld id="{49F13741-B7F0-473D-A95D-BB281D554673}" type="datetimeFigureOut">
+            <a:fld id="{F160C213-4E7E-40D1-B173-7A83805AA843}" type="datetime1">
               <a:rPr lang="de-AT" smtClean="0"/>
               <a:t>10.05.2015</a:t>
             </a:fld>
@@ -1930,7 +2367,7 @@
           <a:bodyPr/>
           <a:lstStyle/>
           <a:p>
-            <a:fld id="{49F13741-B7F0-473D-A95D-BB281D554673}" type="datetimeFigureOut">
+            <a:fld id="{92BA3971-2810-4A7E-922A-FD6D48EEEA9D}" type="datetime1">
               <a:rPr lang="de-AT" smtClean="0"/>
               <a:t>10.05.2015</a:t>
             </a:fld>
@@ -2048,7 +2485,7 @@
           <a:bodyPr/>
           <a:lstStyle/>
           <a:p>
-            <a:fld id="{49F13741-B7F0-473D-A95D-BB281D554673}" type="datetimeFigureOut">
+            <a:fld id="{5EDA07CB-1BB2-415A-B1EE-DA22E461665E}" type="datetime1">
               <a:rPr lang="de-AT" smtClean="0"/>
               <a:t>10.05.2015</a:t>
             </a:fld>
@@ -2332,7 +2769,7 @@
           <a:bodyPr/>
           <a:lstStyle/>
           <a:p>
-            <a:fld id="{49F13741-B7F0-473D-A95D-BB281D554673}" type="datetimeFigureOut">
+            <a:fld id="{3349D4E0-7F32-45A7-B2D7-8757131B04C2}" type="datetime1">
               <a:rPr lang="de-AT" smtClean="0"/>
               <a:t>10.05.2015</a:t>
             </a:fld>
@@ -2502,7 +2939,7 @@
           <a:bodyPr/>
           <a:lstStyle/>
           <a:p>
-            <a:fld id="{49F13741-B7F0-473D-A95D-BB281D554673}" type="datetimeFigureOut">
+            <a:fld id="{68AE8ABC-4E63-4E6F-8E96-2C0F8E205998}" type="datetime1">
               <a:rPr lang="de-AT" smtClean="0"/>
               <a:t>10.05.2015</a:t>
             </a:fld>
@@ -2766,7 +3203,7 @@
           <a:bodyPr/>
           <a:lstStyle/>
           <a:p>
-            <a:fld id="{49F13741-B7F0-473D-A95D-BB281D554673}" type="datetimeFigureOut">
+            <a:fld id="{2D60B278-6B8D-48ED-9B6D-A9F8FDED971B}" type="datetime1">
               <a:rPr lang="de-AT" smtClean="0"/>
               <a:t>10.05.2015</a:t>
             </a:fld>
@@ -2936,7 +3373,7 @@
           <a:bodyPr/>
           <a:lstStyle/>
           <a:p>
-            <a:fld id="{49F13741-B7F0-473D-A95D-BB281D554673}" type="datetimeFigureOut">
+            <a:fld id="{B683F082-297D-4680-AF4E-58609B7292BE}" type="datetime1">
               <a:rPr lang="de-AT" smtClean="0"/>
               <a:t>10.05.2015</a:t>
             </a:fld>
@@ -3116,7 +3553,7 @@
           <a:bodyPr/>
           <a:lstStyle/>
           <a:p>
-            <a:fld id="{49F13741-B7F0-473D-A95D-BB281D554673}" type="datetimeFigureOut">
+            <a:fld id="{859F09A0-441A-434A-B3AD-0F79CEE1168F}" type="datetime1">
               <a:rPr lang="de-AT" smtClean="0"/>
               <a:t>10.05.2015</a:t>
             </a:fld>
@@ -3319,7 +3756,7 @@
           <a:bodyPr/>
           <a:lstStyle/>
           <a:p>
-            <a:fld id="{49F13741-B7F0-473D-A95D-BB281D554673}" type="datetimeFigureOut">
+            <a:fld id="{EA246E02-3450-4CBA-87D5-306492963D35}" type="datetime1">
               <a:rPr lang="de-AT" smtClean="0"/>
               <a:t>10.05.2015</a:t>
             </a:fld>
@@ -3489,7 +3926,7 @@
           <a:bodyPr/>
           <a:lstStyle/>
           <a:p>
-            <a:fld id="{49F13741-B7F0-473D-A95D-BB281D554673}" type="datetimeFigureOut">
+            <a:fld id="{DF320C6F-B806-48DC-9325-2EB06BBCA24C}" type="datetime1">
               <a:rPr lang="de-AT" smtClean="0"/>
               <a:t>10.05.2015</a:t>
             </a:fld>
@@ -3740,7 +4177,7 @@
           <a:bodyPr/>
           <a:lstStyle/>
           <a:p>
-            <a:fld id="{49F13741-B7F0-473D-A95D-BB281D554673}" type="datetimeFigureOut">
+            <a:fld id="{C3EB522C-E877-4014-B2C9-180D3C5C28D7}" type="datetime1">
               <a:rPr lang="de-AT" smtClean="0"/>
               <a:t>10.05.2015</a:t>
             </a:fld>
@@ -3972,7 +4409,7 @@
           <a:bodyPr/>
           <a:lstStyle/>
           <a:p>
-            <a:fld id="{49F13741-B7F0-473D-A95D-BB281D554673}" type="datetimeFigureOut">
+            <a:fld id="{452D0A87-E6ED-426C-95C0-9E25B0B948D3}" type="datetime1">
               <a:rPr lang="de-AT" smtClean="0"/>
               <a:t>10.05.2015</a:t>
             </a:fld>
@@ -4319,7 +4756,7 @@
           <a:bodyPr/>
           <a:lstStyle/>
           <a:p>
-            <a:fld id="{49F13741-B7F0-473D-A95D-BB281D554673}" type="datetimeFigureOut">
+            <a:fld id="{B06B4AF8-6A48-4002-95BA-B2A564ABD261}" type="datetime1">
               <a:rPr lang="de-AT" smtClean="0"/>
               <a:t>10.05.2015</a:t>
             </a:fld>
@@ -4437,7 +4874,7 @@
           <a:bodyPr/>
           <a:lstStyle/>
           <a:p>
-            <a:fld id="{49F13741-B7F0-473D-A95D-BB281D554673}" type="datetimeFigureOut">
+            <a:fld id="{57D4A13E-B9D2-46B9-B59E-42451D4AF80E}" type="datetime1">
               <a:rPr lang="de-AT" smtClean="0"/>
               <a:t>10.05.2015</a:t>
             </a:fld>
@@ -4555,7 +4992,7 @@
           <a:bodyPr/>
           <a:lstStyle/>
           <a:p>
-            <a:fld id="{49F13741-B7F0-473D-A95D-BB281D554673}" type="datetimeFigureOut">
+            <a:fld id="{F63B4BDC-AB04-4DF5-A605-E6F36AD53C0C}" type="datetime1">
               <a:rPr lang="de-AT" smtClean="0"/>
               <a:t>10.05.2015</a:t>
             </a:fld>
@@ -4806,7 +5243,7 @@
           <a:bodyPr/>
           <a:lstStyle/>
           <a:p>
-            <a:fld id="{49F13741-B7F0-473D-A95D-BB281D554673}" type="datetimeFigureOut">
+            <a:fld id="{7031638C-1001-4A3F-85F3-DAD56B0158CF}" type="datetime1">
               <a:rPr lang="de-AT" smtClean="0"/>
               <a:t>10.05.2015</a:t>
             </a:fld>
@@ -5090,7 +5527,7 @@
           <a:bodyPr/>
           <a:lstStyle/>
           <a:p>
-            <a:fld id="{49F13741-B7F0-473D-A95D-BB281D554673}" type="datetimeFigureOut">
+            <a:fld id="{5B13FCCD-F063-490D-991C-3D9941B589EC}" type="datetime1">
               <a:rPr lang="de-AT" smtClean="0"/>
               <a:t>10.05.2015</a:t>
             </a:fld>
@@ -5354,7 +5791,7 @@
           <a:bodyPr/>
           <a:lstStyle/>
           <a:p>
-            <a:fld id="{49F13741-B7F0-473D-A95D-BB281D554673}" type="datetimeFigureOut">
+            <a:fld id="{8D519BFE-CA16-4C41-A93A-15A6D05D5BDE}" type="datetime1">
               <a:rPr lang="de-AT" smtClean="0"/>
               <a:t>10.05.2015</a:t>
             </a:fld>
@@ -5524,7 +5961,7 @@
           <a:bodyPr/>
           <a:lstStyle/>
           <a:p>
-            <a:fld id="{49F13741-B7F0-473D-A95D-BB281D554673}" type="datetimeFigureOut">
+            <a:fld id="{4013B7AD-8776-4E7B-A287-174A9BA8FB61}" type="datetime1">
               <a:rPr lang="de-AT" smtClean="0"/>
               <a:t>10.05.2015</a:t>
             </a:fld>
@@ -5704,7 +6141,7 @@
           <a:bodyPr/>
           <a:lstStyle/>
           <a:p>
-            <a:fld id="{49F13741-B7F0-473D-A95D-BB281D554673}" type="datetimeFigureOut">
+            <a:fld id="{640091AD-6000-45A7-AF86-EEA42E205775}" type="datetime1">
               <a:rPr lang="de-AT" smtClean="0"/>
               <a:t>10.05.2015</a:t>
             </a:fld>
@@ -5907,7 +6344,7 @@
           <a:bodyPr/>
           <a:lstStyle/>
           <a:p>
-            <a:fld id="{49F13741-B7F0-473D-A95D-BB281D554673}" type="datetimeFigureOut">
+            <a:fld id="{6B471BFB-1D68-438B-B440-11C877581199}" type="datetime1">
               <a:rPr lang="de-AT" smtClean="0"/>
               <a:t>10.05.2015</a:t>
             </a:fld>
@@ -6077,7 +6514,7 @@
           <a:bodyPr/>
           <a:lstStyle/>
           <a:p>
-            <a:fld id="{49F13741-B7F0-473D-A95D-BB281D554673}" type="datetimeFigureOut">
+            <a:fld id="{42EC9B0B-BE93-491B-8F43-BB717D4A9D67}" type="datetime1">
               <a:rPr lang="de-AT" smtClean="0"/>
               <a:t>10.05.2015</a:t>
             </a:fld>
@@ -6328,7 +6765,7 @@
           <a:bodyPr/>
           <a:lstStyle/>
           <a:p>
-            <a:fld id="{49F13741-B7F0-473D-A95D-BB281D554673}" type="datetimeFigureOut">
+            <a:fld id="{9577EA37-77B3-48AB-AAE5-04B26267B9B2}" type="datetime1">
               <a:rPr lang="de-AT" smtClean="0"/>
               <a:t>10.05.2015</a:t>
             </a:fld>
@@ -6560,7 +6997,7 @@
           <a:bodyPr/>
           <a:lstStyle/>
           <a:p>
-            <a:fld id="{49F13741-B7F0-473D-A95D-BB281D554673}" type="datetimeFigureOut">
+            <a:fld id="{B54BD125-DF80-46BD-9FEE-E74FBB968219}" type="datetime1">
               <a:rPr lang="de-AT" smtClean="0"/>
               <a:t>10.05.2015</a:t>
             </a:fld>
@@ -6907,7 +7344,7 @@
           <a:bodyPr/>
           <a:lstStyle/>
           <a:p>
-            <a:fld id="{49F13741-B7F0-473D-A95D-BB281D554673}" type="datetimeFigureOut">
+            <a:fld id="{E775FE6C-2D11-4D79-94FC-D24F4878AB5E}" type="datetime1">
               <a:rPr lang="de-AT" smtClean="0"/>
               <a:t>10.05.2015</a:t>
             </a:fld>
@@ -7025,7 +7462,7 @@
           <a:bodyPr/>
           <a:lstStyle/>
           <a:p>
-            <a:fld id="{49F13741-B7F0-473D-A95D-BB281D554673}" type="datetimeFigureOut">
+            <a:fld id="{6646095C-D39A-4AF9-B3C2-A1FAB5837074}" type="datetime1">
               <a:rPr lang="de-AT" smtClean="0"/>
               <a:t>10.05.2015</a:t>
             </a:fld>
@@ -7280,7 +7717,7 @@
           <a:bodyPr/>
           <a:lstStyle/>
           <a:p>
-            <a:fld id="{49F13741-B7F0-473D-A95D-BB281D554673}" type="datetimeFigureOut">
+            <a:fld id="{A646D607-58A1-4D69-8A73-AF643FA5BB14}" type="datetime1">
               <a:rPr lang="de-AT" smtClean="0"/>
               <a:t>10.05.2015</a:t>
             </a:fld>
@@ -7375,7 +7812,7 @@
           <a:bodyPr/>
           <a:lstStyle/>
           <a:p>
-            <a:fld id="{49F13741-B7F0-473D-A95D-BB281D554673}" type="datetimeFigureOut">
+            <a:fld id="{96CCA788-6047-4321-BDA8-C6C4A13F757A}" type="datetime1">
               <a:rPr lang="de-AT" smtClean="0"/>
               <a:t>10.05.2015</a:t>
             </a:fld>
@@ -7659,7 +8096,7 @@
           <a:bodyPr/>
           <a:lstStyle/>
           <a:p>
-            <a:fld id="{49F13741-B7F0-473D-A95D-BB281D554673}" type="datetimeFigureOut">
+            <a:fld id="{FEAB7C70-C12B-4F38-AD82-35106AA17160}" type="datetime1">
               <a:rPr lang="de-AT" smtClean="0"/>
               <a:t>10.05.2015</a:t>
             </a:fld>
@@ -7923,7 +8360,7 @@
           <a:bodyPr/>
           <a:lstStyle/>
           <a:p>
-            <a:fld id="{49F13741-B7F0-473D-A95D-BB281D554673}" type="datetimeFigureOut">
+            <a:fld id="{D68BA342-52E1-4732-9F85-4AB2AC02B495}" type="datetime1">
               <a:rPr lang="de-AT" smtClean="0"/>
               <a:t>10.05.2015</a:t>
             </a:fld>
@@ -8093,7 +8530,7 @@
           <a:bodyPr/>
           <a:lstStyle/>
           <a:p>
-            <a:fld id="{49F13741-B7F0-473D-A95D-BB281D554673}" type="datetimeFigureOut">
+            <a:fld id="{0C5AB403-E0A2-4531-8183-C0CAF1C65EBF}" type="datetime1">
               <a:rPr lang="de-AT" smtClean="0"/>
               <a:t>10.05.2015</a:t>
             </a:fld>
@@ -8273,7 +8710,7 @@
           <a:bodyPr/>
           <a:lstStyle/>
           <a:p>
-            <a:fld id="{49F13741-B7F0-473D-A95D-BB281D554673}" type="datetimeFigureOut">
+            <a:fld id="{CC9D0708-2333-4A79-8672-A7B15642B619}" type="datetime1">
               <a:rPr lang="de-AT" smtClean="0"/>
               <a:t>10.05.2015</a:t>
             </a:fld>
@@ -8465,7 +8902,7 @@
           <a:bodyPr/>
           <a:lstStyle/>
           <a:p>
-            <a:fld id="{49F13741-B7F0-473D-A95D-BB281D554673}" type="datetimeFigureOut">
+            <a:fld id="{750E0535-FCDF-4CC8-9601-5FC799E408B5}" type="datetime1">
               <a:rPr lang="de-AT" smtClean="0"/>
               <a:t>10.05.2015</a:t>
             </a:fld>
@@ -8635,7 +9072,7 @@
           <a:bodyPr/>
           <a:lstStyle/>
           <a:p>
-            <a:fld id="{49F13741-B7F0-473D-A95D-BB281D554673}" type="datetimeFigureOut">
+            <a:fld id="{8127BDF7-9088-455A-9C8A-A3258B02951D}" type="datetime1">
               <a:rPr lang="de-AT" smtClean="0"/>
               <a:t>10.05.2015</a:t>
             </a:fld>
@@ -8881,7 +9318,7 @@
           <a:bodyPr/>
           <a:lstStyle/>
           <a:p>
-            <a:fld id="{49F13741-B7F0-473D-A95D-BB281D554673}" type="datetimeFigureOut">
+            <a:fld id="{4948535A-5CFB-4D06-8BD1-ABED74BF1FE9}" type="datetime1">
               <a:rPr lang="de-AT" smtClean="0"/>
               <a:t>10.05.2015</a:t>
             </a:fld>
@@ -9113,7 +9550,7 @@
           <a:bodyPr/>
           <a:lstStyle/>
           <a:p>
-            <a:fld id="{49F13741-B7F0-473D-A95D-BB281D554673}" type="datetimeFigureOut">
+            <a:fld id="{7E730CEF-E015-4F3A-B851-64CFCD13E2BA}" type="datetime1">
               <a:rPr lang="de-AT" smtClean="0"/>
               <a:t>10.05.2015</a:t>
             </a:fld>
@@ -9480,7 +9917,7 @@
           <a:bodyPr/>
           <a:lstStyle/>
           <a:p>
-            <a:fld id="{49F13741-B7F0-473D-A95D-BB281D554673}" type="datetimeFigureOut">
+            <a:fld id="{96AFB023-A416-4217-AF32-DB2F777A94DA}" type="datetime1">
               <a:rPr lang="de-AT" smtClean="0"/>
               <a:t>10.05.2015</a:t>
             </a:fld>
@@ -9827,7 +10264,7 @@
           <a:bodyPr/>
           <a:lstStyle/>
           <a:p>
-            <a:fld id="{49F13741-B7F0-473D-A95D-BB281D554673}" type="datetimeFigureOut">
+            <a:fld id="{C2FF5AD7-3ED0-4B7A-80B9-DCBA7A1D260A}" type="datetime1">
               <a:rPr lang="de-AT" smtClean="0"/>
               <a:t>10.05.2015</a:t>
             </a:fld>
@@ -9968,7 +10405,7 @@
           <a:bodyPr/>
           <a:lstStyle/>
           <a:p>
-            <a:fld id="{49F13741-B7F0-473D-A95D-BB281D554673}" type="datetimeFigureOut">
+            <a:fld id="{866838AE-5C6B-4C16-8F49-D6D303D3C612}" type="datetime1">
               <a:rPr lang="de-AT" smtClean="0"/>
               <a:t>10.05.2015</a:t>
             </a:fld>
@@ -10063,7 +10500,7 @@
           <a:bodyPr/>
           <a:lstStyle/>
           <a:p>
-            <a:fld id="{49F13741-B7F0-473D-A95D-BB281D554673}" type="datetimeFigureOut">
+            <a:fld id="{59E84DCA-AFC6-4E25-A124-FD966108D65C}" type="datetime1">
               <a:rPr lang="de-AT" smtClean="0"/>
               <a:t>10.05.2015</a:t>
             </a:fld>
@@ -10340,7 +10777,7 @@
           <a:bodyPr/>
           <a:lstStyle/>
           <a:p>
-            <a:fld id="{49F13741-B7F0-473D-A95D-BB281D554673}" type="datetimeFigureOut">
+            <a:fld id="{1869DA81-C721-469C-9F60-A231A5479FB2}" type="datetime1">
               <a:rPr lang="de-AT" smtClean="0"/>
               <a:t>10.05.2015</a:t>
             </a:fld>
@@ -10593,7 +11030,7 @@
           <a:bodyPr/>
           <a:lstStyle/>
           <a:p>
-            <a:fld id="{49F13741-B7F0-473D-A95D-BB281D554673}" type="datetimeFigureOut">
+            <a:fld id="{2E99F76B-4141-4F34-848A-934FA03820AD}" type="datetime1">
               <a:rPr lang="de-AT" smtClean="0"/>
               <a:t>10.05.2015</a:t>
             </a:fld>
@@ -10763,7 +11200,7 @@
           <a:bodyPr/>
           <a:lstStyle/>
           <a:p>
-            <a:fld id="{49F13741-B7F0-473D-A95D-BB281D554673}" type="datetimeFigureOut">
+            <a:fld id="{41AF947F-E6B7-4629-B176-02D0BBBDADEB}" type="datetime1">
               <a:rPr lang="de-AT" smtClean="0"/>
               <a:t>10.05.2015</a:t>
             </a:fld>
@@ -10943,7 +11380,7 @@
           <a:bodyPr/>
           <a:lstStyle/>
           <a:p>
-            <a:fld id="{49F13741-B7F0-473D-A95D-BB281D554673}" type="datetimeFigureOut">
+            <a:fld id="{EB265C31-1A60-4F20-B1C1-6C4867AAE629}" type="datetime1">
               <a:rPr lang="de-AT" smtClean="0"/>
               <a:t>10.05.2015</a:t>
             </a:fld>
@@ -11038,7 +11475,7 @@
           <a:bodyPr/>
           <a:lstStyle/>
           <a:p>
-            <a:fld id="{49F13741-B7F0-473D-A95D-BB281D554673}" type="datetimeFigureOut">
+            <a:fld id="{E2509819-86E9-4523-9BA3-021691E2D228}" type="datetime1">
               <a:rPr lang="de-AT" smtClean="0"/>
               <a:t>10.05.2015</a:t>
             </a:fld>
@@ -11156,7 +11593,7 @@
           <a:bodyPr/>
           <a:lstStyle/>
           <a:p>
-            <a:fld id="{49F13741-B7F0-473D-A95D-BB281D554673}" type="datetimeFigureOut">
+            <a:fld id="{D179E804-FE59-4DE0-A246-A57A3B82F152}" type="datetime1">
               <a:rPr lang="de-AT" smtClean="0"/>
               <a:t>10.05.2015</a:t>
             </a:fld>
@@ -11440,7 +11877,7 @@
           <a:bodyPr/>
           <a:lstStyle/>
           <a:p>
-            <a:fld id="{49F13741-B7F0-473D-A95D-BB281D554673}" type="datetimeFigureOut">
+            <a:fld id="{DAC6FAF6-BFE7-42C9-A140-75062FB7757D}" type="datetime1">
               <a:rPr lang="de-AT" smtClean="0"/>
               <a:t>10.05.2015</a:t>
             </a:fld>
@@ -11704,7 +12141,7 @@
           <a:bodyPr/>
           <a:lstStyle/>
           <a:p>
-            <a:fld id="{49F13741-B7F0-473D-A95D-BB281D554673}" type="datetimeFigureOut">
+            <a:fld id="{B0DA610A-B7E7-4D06-8017-539F48A6BF45}" type="datetime1">
               <a:rPr lang="de-AT" smtClean="0"/>
               <a:t>10.05.2015</a:t>
             </a:fld>
@@ -11918,7 +12355,7 @@
             </a:lvl1pPr>
           </a:lstStyle>
           <a:p>
-            <a:fld id="{49F13741-B7F0-473D-A95D-BB281D554673}" type="datetimeFigureOut">
+            <a:fld id="{E7F5C392-FA56-40DE-89A1-D261F4BB297B}" type="datetime1">
               <a:rPr lang="de-AT" smtClean="0"/>
               <a:t>10.05.2015</a:t>
             </a:fld>
@@ -12026,6 +12463,7 @@
     <p:sldLayoutId id="2147483670" r:id="rId10"/>
     <p:sldLayoutId id="2147483671" r:id="rId11"/>
   </p:sldLayoutIdLst>
+  <p:hf hdr="0" ftr="0" dt="0"/>
   <p:txStyles>
     <p:titleStyle>
       <a:lvl1pPr algn="l" defTabSz="914400" rtl="0" eaLnBrk="1" latinLnBrk="0" hangingPunct="1">
@@ -12448,7 +12886,7 @@
             </a:lvl1pPr>
           </a:lstStyle>
           <a:p>
-            <a:fld id="{49F13741-B7F0-473D-A95D-BB281D554673}" type="datetimeFigureOut">
+            <a:fld id="{3CD4B5CB-C24B-46B4-953A-C98D5DFCC398}" type="datetime1">
               <a:rPr lang="de-AT" smtClean="0"/>
               <a:t>10.05.2015</a:t>
             </a:fld>
@@ -12556,6 +12994,7 @@
     <p:sldLayoutId id="2147483682" r:id="rId10"/>
     <p:sldLayoutId id="2147483683" r:id="rId11"/>
   </p:sldLayoutIdLst>
+  <p:hf hdr="0" ftr="0" dt="0"/>
   <p:txStyles>
     <p:titleStyle>
       <a:lvl1pPr algn="l" defTabSz="914400" rtl="0" eaLnBrk="1" latinLnBrk="0" hangingPunct="1">
@@ -12978,7 +13417,7 @@
             </a:lvl1pPr>
           </a:lstStyle>
           <a:p>
-            <a:fld id="{49F13741-B7F0-473D-A95D-BB281D554673}" type="datetimeFigureOut">
+            <a:fld id="{4B103031-C341-4604-B34E-92C55BD1824E}" type="datetime1">
               <a:rPr lang="de-AT" smtClean="0"/>
               <a:t>10.05.2015</a:t>
             </a:fld>
@@ -13086,6 +13525,7 @@
     <p:sldLayoutId id="2147483706" r:id="rId10"/>
     <p:sldLayoutId id="2147483707" r:id="rId11"/>
   </p:sldLayoutIdLst>
+  <p:hf hdr="0" ftr="0" dt="0"/>
   <p:txStyles>
     <p:titleStyle>
       <a:lvl1pPr algn="l" defTabSz="914400" rtl="0" eaLnBrk="1" latinLnBrk="0" hangingPunct="1">
@@ -13508,7 +13948,7 @@
             </a:lvl1pPr>
           </a:lstStyle>
           <a:p>
-            <a:fld id="{49F13741-B7F0-473D-A95D-BB281D554673}" type="datetimeFigureOut">
+            <a:fld id="{87BC9F76-635C-438B-8709-64F334658B5A}" type="datetime1">
               <a:rPr lang="de-AT" smtClean="0"/>
               <a:t>10.05.2015</a:t>
             </a:fld>
@@ -13616,6 +14056,7 @@
     <p:sldLayoutId id="2147483718" r:id="rId10"/>
     <p:sldLayoutId id="2147483719" r:id="rId11"/>
   </p:sldLayoutIdLst>
+  <p:hf hdr="0" ftr="0" dt="0"/>
   <p:txStyles>
     <p:titleStyle>
       <a:lvl1pPr algn="l" defTabSz="914400" rtl="0" eaLnBrk="1" latinLnBrk="0" hangingPunct="1">
@@ -14037,7 +14478,7 @@
             </a:lvl1pPr>
           </a:lstStyle>
           <a:p>
-            <a:fld id="{49F13741-B7F0-473D-A95D-BB281D554673}" type="datetimeFigureOut">
+            <a:fld id="{AC334C3A-E1D0-4A90-B500-70F181670231}" type="datetime1">
               <a:rPr lang="de-AT" smtClean="0"/>
               <a:t>10.05.2015</a:t>
             </a:fld>
@@ -14144,6 +14585,7 @@
     <p:sldLayoutId id="2147483730" r:id="rId10"/>
     <p:sldLayoutId id="2147483731" r:id="rId11"/>
   </p:sldLayoutIdLst>
+  <p:hf hdr="0" ftr="0" dt="0"/>
   <p:txStyles>
     <p:titleStyle>
       <a:lvl1pPr algn="l" defTabSz="914400" rtl="0" eaLnBrk="1" latinLnBrk="0" hangingPunct="1">
@@ -14601,6 +15043,29 @@
           </a:p>
         </p:txBody>
       </p:sp>
+      <p:sp>
+        <p:nvSpPr>
+          <p:cNvPr id="5" name="Slide Number Placeholder 4"/>
+          <p:cNvSpPr>
+            <a:spLocks noGrp="1"/>
+          </p:cNvSpPr>
+          <p:nvPr>
+            <p:ph type="sldNum" sz="quarter" idx="12"/>
+          </p:nvPr>
+        </p:nvSpPr>
+        <p:spPr/>
+        <p:txBody>
+          <a:bodyPr/>
+          <a:lstStyle/>
+          <a:p>
+            <a:fld id="{22DC25FA-4310-47D3-B1AF-61CB4EEBA985}" type="slidenum">
+              <a:rPr lang="de-AT" smtClean="0"/>
+              <a:t>2</a:t>
+            </a:fld>
+            <a:endParaRPr lang="de-AT"/>
+          </a:p>
+        </p:txBody>
+      </p:sp>
     </p:spTree>
     <p:extLst>
       <p:ext uri="{BB962C8B-B14F-4D97-AF65-F5344CB8AC3E}">
@@ -14782,6 +15247,29 @@
           </a:p>
         </p:txBody>
       </p:sp>
+      <p:sp>
+        <p:nvSpPr>
+          <p:cNvPr id="5" name="Slide Number Placeholder 4"/>
+          <p:cNvSpPr>
+            <a:spLocks noGrp="1"/>
+          </p:cNvSpPr>
+          <p:nvPr>
+            <p:ph type="sldNum" sz="quarter" idx="12"/>
+          </p:nvPr>
+        </p:nvSpPr>
+        <p:spPr/>
+        <p:txBody>
+          <a:bodyPr/>
+          <a:lstStyle/>
+          <a:p>
+            <a:fld id="{22DC25FA-4310-47D3-B1AF-61CB4EEBA985}" type="slidenum">
+              <a:rPr lang="de-AT" smtClean="0"/>
+              <a:t>3</a:t>
+            </a:fld>
+            <a:endParaRPr lang="de-AT"/>
+          </a:p>
+        </p:txBody>
+      </p:sp>
     </p:spTree>
     <p:extLst>
       <p:ext uri="{BB962C8B-B14F-4D97-AF65-F5344CB8AC3E}">
@@ -14953,6 +15441,29 @@
           </a:p>
         </p:txBody>
       </p:sp>
+      <p:sp>
+        <p:nvSpPr>
+          <p:cNvPr id="5" name="Slide Number Placeholder 4"/>
+          <p:cNvSpPr>
+            <a:spLocks noGrp="1"/>
+          </p:cNvSpPr>
+          <p:nvPr>
+            <p:ph type="sldNum" sz="quarter" idx="12"/>
+          </p:nvPr>
+        </p:nvSpPr>
+        <p:spPr/>
+        <p:txBody>
+          <a:bodyPr/>
+          <a:lstStyle/>
+          <a:p>
+            <a:fld id="{22DC25FA-4310-47D3-B1AF-61CB4EEBA985}" type="slidenum">
+              <a:rPr lang="de-AT" smtClean="0"/>
+              <a:t>4</a:t>
+            </a:fld>
+            <a:endParaRPr lang="de-AT"/>
+          </a:p>
+        </p:txBody>
+      </p:sp>
     </p:spTree>
     <p:extLst>
       <p:ext uri="{BB962C8B-B14F-4D97-AF65-F5344CB8AC3E}">
@@ -15070,6 +15581,29 @@
           </a:p>
         </p:txBody>
       </p:sp>
+      <p:sp>
+        <p:nvSpPr>
+          <p:cNvPr id="5" name="Slide Number Placeholder 4"/>
+          <p:cNvSpPr>
+            <a:spLocks noGrp="1"/>
+          </p:cNvSpPr>
+          <p:nvPr>
+            <p:ph type="sldNum" sz="quarter" idx="12"/>
+          </p:nvPr>
+        </p:nvSpPr>
+        <p:spPr/>
+        <p:txBody>
+          <a:bodyPr/>
+          <a:lstStyle/>
+          <a:p>
+            <a:fld id="{22DC25FA-4310-47D3-B1AF-61CB4EEBA985}" type="slidenum">
+              <a:rPr lang="de-AT" smtClean="0"/>
+              <a:t>5</a:t>
+            </a:fld>
+            <a:endParaRPr lang="de-AT"/>
+          </a:p>
+        </p:txBody>
+      </p:sp>
     </p:spTree>
     <p:extLst>
       <p:ext uri="{BB962C8B-B14F-4D97-AF65-F5344CB8AC3E}">
@@ -15255,6 +15789,29 @@
               <a:rPr lang="de-AT" dirty="0" smtClean="0"/>
               <a:t>bei Fehler</a:t>
             </a:r>
+          </a:p>
+        </p:txBody>
+      </p:sp>
+      <p:sp>
+        <p:nvSpPr>
+          <p:cNvPr id="5" name="Slide Number Placeholder 4"/>
+          <p:cNvSpPr>
+            <a:spLocks noGrp="1"/>
+          </p:cNvSpPr>
+          <p:nvPr>
+            <p:ph type="sldNum" sz="quarter" idx="12"/>
+          </p:nvPr>
+        </p:nvSpPr>
+        <p:spPr/>
+        <p:txBody>
+          <a:bodyPr/>
+          <a:lstStyle/>
+          <a:p>
+            <a:fld id="{22DC25FA-4310-47D3-B1AF-61CB4EEBA985}" type="slidenum">
+              <a:rPr lang="de-AT" smtClean="0"/>
+              <a:t>6</a:t>
+            </a:fld>
+            <a:endParaRPr lang="de-AT"/>
           </a:p>
         </p:txBody>
       </p:sp>
@@ -15313,14 +15870,37 @@
         </p:blipFill>
         <p:spPr>
           <a:xfrm>
-            <a:off x="308759" y="246235"/>
-            <a:ext cx="11526589" cy="6261443"/>
+            <a:off x="528452" y="336815"/>
+            <a:ext cx="11081265" cy="6019535"/>
           </a:xfrm>
           <a:prstGeom prst="rect">
             <a:avLst/>
           </a:prstGeom>
         </p:spPr>
       </p:pic>
+      <p:sp>
+        <p:nvSpPr>
+          <p:cNvPr id="8" name="Slide Number Placeholder 7"/>
+          <p:cNvSpPr>
+            <a:spLocks noGrp="1"/>
+          </p:cNvSpPr>
+          <p:nvPr>
+            <p:ph type="sldNum" sz="quarter" idx="12"/>
+          </p:nvPr>
+        </p:nvSpPr>
+        <p:spPr/>
+        <p:txBody>
+          <a:bodyPr/>
+          <a:lstStyle/>
+          <a:p>
+            <a:fld id="{22DC25FA-4310-47D3-B1AF-61CB4EEBA985}" type="slidenum">
+              <a:rPr lang="de-AT" smtClean="0"/>
+              <a:t>7</a:t>
+            </a:fld>
+            <a:endParaRPr lang="de-AT"/>
+          </a:p>
+        </p:txBody>
+      </p:sp>
     </p:spTree>
     <p:extLst>
       <p:ext uri="{BB962C8B-B14F-4D97-AF65-F5344CB8AC3E}">
@@ -15382,6 +15962,29 @@
           </a:prstGeom>
         </p:spPr>
       </p:pic>
+      <p:sp>
+        <p:nvSpPr>
+          <p:cNvPr id="6" name="Slide Number Placeholder 5"/>
+          <p:cNvSpPr>
+            <a:spLocks noGrp="1"/>
+          </p:cNvSpPr>
+          <p:nvPr>
+            <p:ph type="sldNum" sz="quarter" idx="12"/>
+          </p:nvPr>
+        </p:nvSpPr>
+        <p:spPr/>
+        <p:txBody>
+          <a:bodyPr/>
+          <a:lstStyle/>
+          <a:p>
+            <a:fld id="{22DC25FA-4310-47D3-B1AF-61CB4EEBA985}" type="slidenum">
+              <a:rPr lang="de-AT" smtClean="0"/>
+              <a:t>8</a:t>
+            </a:fld>
+            <a:endParaRPr lang="de-AT"/>
+          </a:p>
+        </p:txBody>
+      </p:sp>
     </p:spTree>
     <p:extLst>
       <p:ext uri="{BB962C8B-B14F-4D97-AF65-F5344CB8AC3E}">
@@ -15473,13 +16076,13 @@
             <a:pPr lvl="1"/>
             <a:r>
               <a:rPr lang="de-AT" dirty="0">
-                <a:hlinkClick r:id="rId2"/>
+                <a:hlinkClick r:id="rId3"/>
               </a:rPr>
               <a:t>T</a:t>
             </a:r>
             <a:r>
               <a:rPr lang="de-AT" dirty="0" smtClean="0">
-                <a:hlinkClick r:id="rId2"/>
+                <a:hlinkClick r:id="rId3"/>
               </a:rPr>
               <a:t>ravis CI</a:t>
             </a:r>
@@ -15494,6 +16097,29 @@
               <a:t>	</a:t>
             </a:r>
             <a:endParaRPr lang="de-AT" dirty="0" smtClean="0"/>
+          </a:p>
+        </p:txBody>
+      </p:sp>
+      <p:sp>
+        <p:nvSpPr>
+          <p:cNvPr id="5" name="Slide Number Placeholder 4"/>
+          <p:cNvSpPr>
+            <a:spLocks noGrp="1"/>
+          </p:cNvSpPr>
+          <p:nvPr>
+            <p:ph type="sldNum" sz="quarter" idx="12"/>
+          </p:nvPr>
+        </p:nvSpPr>
+        <p:spPr/>
+        <p:txBody>
+          <a:bodyPr/>
+          <a:lstStyle/>
+          <a:p>
+            <a:fld id="{22DC25FA-4310-47D3-B1AF-61CB4EEBA985}" type="slidenum">
+              <a:rPr lang="de-AT" smtClean="0"/>
+              <a:t>9</a:t>
+            </a:fld>
+            <a:endParaRPr lang="de-AT"/>
           </a:p>
         </p:txBody>
       </p:sp>
@@ -16788,4 +17414,265 @@
     </a:ext>
   </a:extLst>
 </a:theme>
+</file>
+
+<file path=ppt/theme/theme6.xml><?xml version="1.0" encoding="utf-8"?>
+<a:theme xmlns:a="http://schemas.openxmlformats.org/drawingml/2006/main" name="Office Theme">
+  <a:themeElements>
+    <a:clrScheme name="Office">
+      <a:dk1>
+        <a:sysClr val="windowText" lastClr="000000"/>
+      </a:dk1>
+      <a:lt1>
+        <a:sysClr val="window" lastClr="FFFFFF"/>
+      </a:lt1>
+      <a:dk2>
+        <a:srgbClr val="44546A"/>
+      </a:dk2>
+      <a:lt2>
+        <a:srgbClr val="E7E6E6"/>
+      </a:lt2>
+      <a:accent1>
+        <a:srgbClr val="5B9BD5"/>
+      </a:accent1>
+      <a:accent2>
+        <a:srgbClr val="ED7D31"/>
+      </a:accent2>
+      <a:accent3>
+        <a:srgbClr val="A5A5A5"/>
+      </a:accent3>
+      <a:accent4>
+        <a:srgbClr val="FFC000"/>
+      </a:accent4>
+      <a:accent5>
+        <a:srgbClr val="4472C4"/>
+      </a:accent5>
+      <a:accent6>
+        <a:srgbClr val="70AD47"/>
+      </a:accent6>
+      <a:hlink>
+        <a:srgbClr val="0563C1"/>
+      </a:hlink>
+      <a:folHlink>
+        <a:srgbClr val="954F72"/>
+      </a:folHlink>
+    </a:clrScheme>
+    <a:fontScheme name="Office">
+      <a:majorFont>
+        <a:latin typeface="Calibri Light" panose="020F0302020204030204"/>
+        <a:ea typeface=""/>
+        <a:cs typeface=""/>
+        <a:font script="Jpan" typeface="ＭＳ Ｐゴシック"/>
+        <a:font script="Hang" typeface="맑은 고딕"/>
+        <a:font script="Hans" typeface="宋体"/>
+        <a:font script="Hant" typeface="新細明體"/>
+        <a:font script="Arab" typeface="Times New Roman"/>
+        <a:font script="Hebr" typeface="Times New Roman"/>
+        <a:font script="Thai" typeface="Angsana New"/>
+        <a:font script="Ethi" typeface="Nyala"/>
+        <a:font script="Beng" typeface="Vrinda"/>
+        <a:font script="Gujr" typeface="Shruti"/>
+        <a:font script="Khmr" typeface="MoolBoran"/>
+        <a:font script="Knda" typeface="Tunga"/>
+        <a:font script="Guru" typeface="Raavi"/>
+        <a:font script="Cans" typeface="Euphemia"/>
+        <a:font script="Cher" typeface="Plantagenet Cherokee"/>
+        <a:font script="Yiii" typeface="Microsoft Yi Baiti"/>
+        <a:font script="Tibt" typeface="Microsoft Himalaya"/>
+        <a:font script="Thaa" typeface="MV Boli"/>
+        <a:font script="Deva" typeface="Mangal"/>
+        <a:font script="Telu" typeface="Gautami"/>
+        <a:font script="Taml" typeface="Latha"/>
+        <a:font script="Syrc" typeface="Estrangelo Edessa"/>
+        <a:font script="Orya" typeface="Kalinga"/>
+        <a:font script="Mlym" typeface="Kartika"/>
+        <a:font script="Laoo" typeface="DokChampa"/>
+        <a:font script="Sinh" typeface="Iskoola Pota"/>
+        <a:font script="Mong" typeface="Mongolian Baiti"/>
+        <a:font script="Viet" typeface="Times New Roman"/>
+        <a:font script="Uigh" typeface="Microsoft Uighur"/>
+        <a:font script="Geor" typeface="Sylfaen"/>
+      </a:majorFont>
+      <a:minorFont>
+        <a:latin typeface="Calibri" panose="020F0502020204030204"/>
+        <a:ea typeface=""/>
+        <a:cs typeface=""/>
+        <a:font script="Jpan" typeface="ＭＳ Ｐゴシック"/>
+        <a:font script="Hang" typeface="맑은 고딕"/>
+        <a:font script="Hans" typeface="宋体"/>
+        <a:font script="Hant" typeface="新細明體"/>
+        <a:font script="Arab" typeface="Arial"/>
+        <a:font script="Hebr" typeface="Arial"/>
+        <a:font script="Thai" typeface="Cordia New"/>
+        <a:font script="Ethi" typeface="Nyala"/>
+        <a:font script="Beng" typeface="Vrinda"/>
+        <a:font script="Gujr" typeface="Shruti"/>
+        <a:font script="Khmr" typeface="DaunPenh"/>
+        <a:font script="Knda" typeface="Tunga"/>
+        <a:font script="Guru" typeface="Raavi"/>
+        <a:font script="Cans" typeface="Euphemia"/>
+        <a:font script="Cher" typeface="Plantagenet Cherokee"/>
+        <a:font script="Yiii" typeface="Microsoft Yi Baiti"/>
+        <a:font script="Tibt" typeface="Microsoft Himalaya"/>
+        <a:font script="Thaa" typeface="MV Boli"/>
+        <a:font script="Deva" typeface="Mangal"/>
+        <a:font script="Telu" typeface="Gautami"/>
+        <a:font script="Taml" typeface="Latha"/>
+        <a:font script="Syrc" typeface="Estrangelo Edessa"/>
+        <a:font script="Orya" typeface="Kalinga"/>
+        <a:font script="Mlym" typeface="Kartika"/>
+        <a:font script="Laoo" typeface="DokChampa"/>
+        <a:font script="Sinh" typeface="Iskoola Pota"/>
+        <a:font script="Mong" typeface="Mongolian Baiti"/>
+        <a:font script="Viet" typeface="Arial"/>
+        <a:font script="Uigh" typeface="Microsoft Uighur"/>
+        <a:font script="Geor" typeface="Sylfaen"/>
+      </a:minorFont>
+    </a:fontScheme>
+    <a:fmtScheme name="Office">
+      <a:fillStyleLst>
+        <a:solidFill>
+          <a:schemeClr val="phClr"/>
+        </a:solidFill>
+        <a:gradFill rotWithShape="1">
+          <a:gsLst>
+            <a:gs pos="0">
+              <a:schemeClr val="phClr">
+                <a:lumMod val="110000"/>
+                <a:satMod val="105000"/>
+                <a:tint val="67000"/>
+              </a:schemeClr>
+            </a:gs>
+            <a:gs pos="50000">
+              <a:schemeClr val="phClr">
+                <a:lumMod val="105000"/>
+                <a:satMod val="103000"/>
+                <a:tint val="73000"/>
+              </a:schemeClr>
+            </a:gs>
+            <a:gs pos="100000">
+              <a:schemeClr val="phClr">
+                <a:lumMod val="105000"/>
+                <a:satMod val="109000"/>
+                <a:tint val="81000"/>
+              </a:schemeClr>
+            </a:gs>
+          </a:gsLst>
+          <a:lin ang="5400000" scaled="0"/>
+        </a:gradFill>
+        <a:gradFill rotWithShape="1">
+          <a:gsLst>
+            <a:gs pos="0">
+              <a:schemeClr val="phClr">
+                <a:satMod val="103000"/>
+                <a:lumMod val="102000"/>
+                <a:tint val="94000"/>
+              </a:schemeClr>
+            </a:gs>
+            <a:gs pos="50000">
+              <a:schemeClr val="phClr">
+                <a:satMod val="110000"/>
+                <a:lumMod val="100000"/>
+                <a:shade val="100000"/>
+              </a:schemeClr>
+            </a:gs>
+            <a:gs pos="100000">
+              <a:schemeClr val="phClr">
+                <a:lumMod val="99000"/>
+                <a:satMod val="120000"/>
+                <a:shade val="78000"/>
+              </a:schemeClr>
+            </a:gs>
+          </a:gsLst>
+          <a:lin ang="5400000" scaled="0"/>
+        </a:gradFill>
+      </a:fillStyleLst>
+      <a:lnStyleLst>
+        <a:ln w="6350" cap="flat" cmpd="sng" algn="ctr">
+          <a:solidFill>
+            <a:schemeClr val="phClr"/>
+          </a:solidFill>
+          <a:prstDash val="solid"/>
+          <a:miter lim="800000"/>
+        </a:ln>
+        <a:ln w="12700" cap="flat" cmpd="sng" algn="ctr">
+          <a:solidFill>
+            <a:schemeClr val="phClr"/>
+          </a:solidFill>
+          <a:prstDash val="solid"/>
+          <a:miter lim="800000"/>
+        </a:ln>
+        <a:ln w="19050" cap="flat" cmpd="sng" algn="ctr">
+          <a:solidFill>
+            <a:schemeClr val="phClr"/>
+          </a:solidFill>
+          <a:prstDash val="solid"/>
+          <a:miter lim="800000"/>
+        </a:ln>
+      </a:lnStyleLst>
+      <a:effectStyleLst>
+        <a:effectStyle>
+          <a:effectLst/>
+        </a:effectStyle>
+        <a:effectStyle>
+          <a:effectLst/>
+        </a:effectStyle>
+        <a:effectStyle>
+          <a:effectLst>
+            <a:outerShdw blurRad="57150" dist="19050" dir="5400000" algn="ctr" rotWithShape="0">
+              <a:srgbClr val="000000">
+                <a:alpha val="63000"/>
+              </a:srgbClr>
+            </a:outerShdw>
+          </a:effectLst>
+        </a:effectStyle>
+      </a:effectStyleLst>
+      <a:bgFillStyleLst>
+        <a:solidFill>
+          <a:schemeClr val="phClr"/>
+        </a:solidFill>
+        <a:solidFill>
+          <a:schemeClr val="phClr">
+            <a:tint val="95000"/>
+            <a:satMod val="170000"/>
+          </a:schemeClr>
+        </a:solidFill>
+        <a:gradFill rotWithShape="1">
+          <a:gsLst>
+            <a:gs pos="0">
+              <a:schemeClr val="phClr">
+                <a:tint val="93000"/>
+                <a:satMod val="150000"/>
+                <a:shade val="98000"/>
+                <a:lumMod val="102000"/>
+              </a:schemeClr>
+            </a:gs>
+            <a:gs pos="50000">
+              <a:schemeClr val="phClr">
+                <a:tint val="98000"/>
+                <a:satMod val="130000"/>
+                <a:shade val="90000"/>
+                <a:lumMod val="103000"/>
+              </a:schemeClr>
+            </a:gs>
+            <a:gs pos="100000">
+              <a:schemeClr val="phClr">
+                <a:shade val="63000"/>
+                <a:satMod val="120000"/>
+              </a:schemeClr>
+            </a:gs>
+          </a:gsLst>
+          <a:lin ang="5400000" scaled="0"/>
+        </a:gradFill>
+      </a:bgFillStyleLst>
+    </a:fmtScheme>
+  </a:themeElements>
+  <a:objectDefaults/>
+  <a:extraClrSchemeLst/>
+  <a:extLst>
+    <a:ext uri="{05A4C25C-085E-4340-85A3-A5531E510DB2}">
+      <thm15:themeFamily xmlns:thm15="http://schemas.microsoft.com/office/thememl/2012/main" name="Office Theme" id="{62F939B6-93AF-4DB8-9C6B-D6C7DFDC589F}" vid="{4A3C46E8-61CC-4603-A589-7422A47A8E4A}"/>
+    </a:ext>
+  </a:extLst>
+</a:theme>
 </file>